--- a/graphs/2bu1+2c4q+2c4y+2c4z_Mutation_Graphs.pptx
+++ b/graphs/2bu1+2c4q+2c4y+2c4z_Mutation_Graphs.pptx
@@ -203,7 +203,7 @@
           <a:p>
             <a:fld id="{7623281A-8D51-F24D-A44D-801F90768EA0}" type="datetimeFigureOut">
               <a:rPr lang="en-US" smtClean="0"/>
-              <a:t>7/9/24</a:t>
+              <a:t>7/11/24</a:t>
             </a:fld>
             <a:endParaRPr lang="en-US"/>
           </a:p>
@@ -701,7 +701,7 @@
           <a:p>
             <a:fld id="{49F24598-E0FC-E241-BAA2-BE1A2687DE9E}" type="datetimeFigureOut">
               <a:rPr lang="en-US" smtClean="0"/>
-              <a:t>7/9/24</a:t>
+              <a:t>7/11/24</a:t>
             </a:fld>
             <a:endParaRPr lang="en-US"/>
           </a:p>
@@ -899,7 +899,7 @@
           <a:p>
             <a:fld id="{49F24598-E0FC-E241-BAA2-BE1A2687DE9E}" type="datetimeFigureOut">
               <a:rPr lang="en-US" smtClean="0"/>
-              <a:t>7/9/24</a:t>
+              <a:t>7/11/24</a:t>
             </a:fld>
             <a:endParaRPr lang="en-US"/>
           </a:p>
@@ -1107,7 +1107,7 @@
           <a:p>
             <a:fld id="{49F24598-E0FC-E241-BAA2-BE1A2687DE9E}" type="datetimeFigureOut">
               <a:rPr lang="en-US" smtClean="0"/>
-              <a:t>7/9/24</a:t>
+              <a:t>7/11/24</a:t>
             </a:fld>
             <a:endParaRPr lang="en-US"/>
           </a:p>
@@ -1305,7 +1305,7 @@
           <a:p>
             <a:fld id="{49F24598-E0FC-E241-BAA2-BE1A2687DE9E}" type="datetimeFigureOut">
               <a:rPr lang="en-US" smtClean="0"/>
-              <a:t>7/9/24</a:t>
+              <a:t>7/11/24</a:t>
             </a:fld>
             <a:endParaRPr lang="en-US"/>
           </a:p>
@@ -1580,7 +1580,7 @@
           <a:p>
             <a:fld id="{49F24598-E0FC-E241-BAA2-BE1A2687DE9E}" type="datetimeFigureOut">
               <a:rPr lang="en-US" smtClean="0"/>
-              <a:t>7/9/24</a:t>
+              <a:t>7/11/24</a:t>
             </a:fld>
             <a:endParaRPr lang="en-US"/>
           </a:p>
@@ -1845,7 +1845,7 @@
           <a:p>
             <a:fld id="{49F24598-E0FC-E241-BAA2-BE1A2687DE9E}" type="datetimeFigureOut">
               <a:rPr lang="en-US" smtClean="0"/>
-              <a:t>7/9/24</a:t>
+              <a:t>7/11/24</a:t>
             </a:fld>
             <a:endParaRPr lang="en-US"/>
           </a:p>
@@ -2257,7 +2257,7 @@
           <a:p>
             <a:fld id="{49F24598-E0FC-E241-BAA2-BE1A2687DE9E}" type="datetimeFigureOut">
               <a:rPr lang="en-US" smtClean="0"/>
-              <a:t>7/9/24</a:t>
+              <a:t>7/11/24</a:t>
             </a:fld>
             <a:endParaRPr lang="en-US"/>
           </a:p>
@@ -2398,7 +2398,7 @@
           <a:p>
             <a:fld id="{49F24598-E0FC-E241-BAA2-BE1A2687DE9E}" type="datetimeFigureOut">
               <a:rPr lang="en-US" smtClean="0"/>
-              <a:t>7/9/24</a:t>
+              <a:t>7/11/24</a:t>
             </a:fld>
             <a:endParaRPr lang="en-US"/>
           </a:p>
@@ -2511,7 +2511,7 @@
           <a:p>
             <a:fld id="{49F24598-E0FC-E241-BAA2-BE1A2687DE9E}" type="datetimeFigureOut">
               <a:rPr lang="en-US" smtClean="0"/>
-              <a:t>7/9/24</a:t>
+              <a:t>7/11/24</a:t>
             </a:fld>
             <a:endParaRPr lang="en-US"/>
           </a:p>
@@ -2822,7 +2822,7 @@
           <a:p>
             <a:fld id="{49F24598-E0FC-E241-BAA2-BE1A2687DE9E}" type="datetimeFigureOut">
               <a:rPr lang="en-US" smtClean="0"/>
-              <a:t>7/9/24</a:t>
+              <a:t>7/11/24</a:t>
             </a:fld>
             <a:endParaRPr lang="en-US"/>
           </a:p>
@@ -3110,7 +3110,7 @@
           <a:p>
             <a:fld id="{49F24598-E0FC-E241-BAA2-BE1A2687DE9E}" type="datetimeFigureOut">
               <a:rPr lang="en-US" smtClean="0"/>
-              <a:t>7/9/24</a:t>
+              <a:t>7/11/24</a:t>
             </a:fld>
             <a:endParaRPr lang="en-US"/>
           </a:p>
@@ -3351,7 +3351,7 @@
           <a:p>
             <a:fld id="{49F24598-E0FC-E241-BAA2-BE1A2687DE9E}" type="datetimeFigureOut">
               <a:rPr lang="en-US" smtClean="0"/>
-              <a:t>7/9/24</a:t>
+              <a:t>7/11/24</a:t>
             </a:fld>
             <a:endParaRPr lang="en-US"/>
           </a:p>
